--- a/Algoritmos y estructuras de datos I - Proyecto Parte I.pptx
+++ b/Algoritmos y estructuras de datos I - Proyecto Parte I.pptx
@@ -112,6 +112,11 @@
       </a:defRPr>
     </a:lvl9pPr>
   </p:defaultTextStyle>
+  <p:extLst>
+    <p:ext uri="{EFAFB233-063F-42B5-8137-9DF3F51BA10A}">
+      <p15:sldGuideLst xmlns:p15="http://schemas.microsoft.com/office/powerpoint/2012/main"/>
+    </p:ext>
+  </p:extLst>
 </p:presentation>
 </file>
 
@@ -518,7 +523,7 @@
           <a:p>
             <a:fld id="{83284890-85D2-4D7B-8EF5-15A9C1DB8F42}" type="datetimeFigureOut">
               <a:rPr lang="en-US" dirty="0"/>
-              <a:t>5/21/2018</a:t>
+              <a:t>6/24/2018</a:t>
             </a:fld>
             <a:endParaRPr lang="en-US" dirty="0"/>
           </a:p>
@@ -693,7 +698,7 @@
           <a:p>
             <a:fld id="{87157CC2-0FC8-4686-B024-99790E0F5162}" type="datetimeFigureOut">
               <a:rPr lang="en-US" dirty="0"/>
-              <a:t>5/21/2018</a:t>
+              <a:t>6/24/2018</a:t>
             </a:fld>
             <a:endParaRPr lang="en-US" dirty="0"/>
           </a:p>
@@ -868,7 +873,7 @@
           <a:p>
             <a:fld id="{F6764DA5-CD3D-4590-A511-FCD3BC7A793E}" type="datetimeFigureOut">
               <a:rPr lang="en-US" dirty="0"/>
-              <a:t>5/21/2018</a:t>
+              <a:t>6/24/2018</a:t>
             </a:fld>
             <a:endParaRPr lang="en-US" dirty="0"/>
           </a:p>
@@ -1033,7 +1038,7 @@
           <a:p>
             <a:fld id="{82F5661D-6934-4B32-B92C-470368BF1EC6}" type="datetimeFigureOut">
               <a:rPr lang="en-US" dirty="0"/>
-              <a:t>5/21/2018</a:t>
+              <a:t>6/24/2018</a:t>
             </a:fld>
             <a:endParaRPr lang="en-US" dirty="0"/>
           </a:p>
@@ -1341,7 +1346,7 @@
           <a:p>
             <a:fld id="{C6F822A4-8DA6-4447-9B1F-C5DB58435268}" type="datetimeFigureOut">
               <a:rPr lang="en-US" dirty="0"/>
-              <a:t>5/21/2018</a:t>
+              <a:t>6/24/2018</a:t>
             </a:fld>
             <a:endParaRPr lang="en-US" dirty="0"/>
           </a:p>
@@ -1723,7 +1728,7 @@
           <a:p>
             <a:fld id="{E548D31E-DCDA-41A7-9C67-C4B11B94D21D}" type="datetimeFigureOut">
               <a:rPr lang="en-US" dirty="0"/>
-              <a:t>5/21/2018</a:t>
+              <a:t>6/24/2018</a:t>
             </a:fld>
             <a:endParaRPr lang="en-US" dirty="0"/>
           </a:p>
@@ -2152,7 +2157,7 @@
           <a:p>
             <a:fld id="{9B3762C0-B258-48F1-ADE6-176B4174CCDD}" type="datetimeFigureOut">
               <a:rPr lang="en-US" dirty="0"/>
-              <a:t>5/21/2018</a:t>
+              <a:t>6/24/2018</a:t>
             </a:fld>
             <a:endParaRPr lang="en-US" dirty="0"/>
           </a:p>
@@ -2265,7 +2270,7 @@
           <a:p>
             <a:fld id="{677919A6-33EB-49BD-A62F-1FA56B9F9712}" type="datetimeFigureOut">
               <a:rPr lang="en-US" dirty="0"/>
-              <a:t>5/21/2018</a:t>
+              <a:t>6/24/2018</a:t>
             </a:fld>
             <a:endParaRPr lang="en-US" dirty="0"/>
           </a:p>
@@ -2355,7 +2360,7 @@
           <a:p>
             <a:fld id="{CA4E7D1B-D673-4CF6-8672-009D42ABD2A0}" type="datetimeFigureOut">
               <a:rPr lang="en-US" dirty="0"/>
-              <a:t>5/21/2018</a:t>
+              <a:t>6/24/2018</a:t>
             </a:fld>
             <a:endParaRPr lang="en-US" dirty="0"/>
           </a:p>
@@ -2700,7 +2705,7 @@
           <a:p>
             <a:fld id="{DA16AA21-1863-4931-97CB-99D0A168701B}" type="datetimeFigureOut">
               <a:rPr lang="en-US" dirty="0"/>
-              <a:t>5/21/2018</a:t>
+              <a:t>6/24/2018</a:t>
             </a:fld>
             <a:endParaRPr lang="en-US" dirty="0"/>
           </a:p>
@@ -3120,7 +3125,7 @@
           <a:p>
             <a:fld id="{3772C379-9A7C-4C87-A116-CBE9F58B04C5}" type="datetimeFigureOut">
               <a:rPr lang="en-US" dirty="0"/>
-              <a:t>5/21/2018</a:t>
+              <a:t>6/24/2018</a:t>
             </a:fld>
             <a:endParaRPr lang="en-US" dirty="0"/>
           </a:p>
@@ -3396,7 +3401,7 @@
           <a:p>
             <a:fld id="{8664C608-40B1-4030-A28D-5B74BC98ADCE}" type="datetimeFigureOut">
               <a:rPr lang="en-US" dirty="0"/>
-              <a:t>5/21/2018</a:t>
+              <a:t>6/24/2018</a:t>
             </a:fld>
             <a:endParaRPr lang="en-US" dirty="0"/>
           </a:p>
@@ -4028,7 +4033,7 @@
           <a:p>
             <a:r>
               <a:rPr lang="es-ES" sz="7300" dirty="0"/>
-              <a:t>Proyecto Individual – Parte I</a:t>
+              <a:t>Proyecto Individual – Parte II</a:t>
             </a:r>
           </a:p>
           <a:p>
@@ -4115,10 +4120,10 @@
       </p:sp>
       <p:pic>
         <p:nvPicPr>
-          <p:cNvPr id="13" name="Marcador de contenido 12">
+          <p:cNvPr id="6" name="Marcador de contenido 5">
             <a:extLst>
               <a:ext uri="{FF2B5EF4-FFF2-40B4-BE49-F238E27FC236}">
-                <a16:creationId xmlns:a16="http://schemas.microsoft.com/office/drawing/2014/main" id="{420D0350-A999-4847-98CE-D378C8198005}"/>
+                <a16:creationId xmlns:a16="http://schemas.microsoft.com/office/drawing/2014/main" id="{9CD99711-C5C9-40C4-88ED-BB569A231CB7}"/>
               </a:ext>
             </a:extLst>
           </p:cNvPr>
@@ -4137,8 +4142,8 @@
         </p:blipFill>
         <p:spPr>
           <a:xfrm>
-            <a:off x="3723250" y="484632"/>
-            <a:ext cx="8468750" cy="5989686"/>
+            <a:off x="3573194" y="267165"/>
+            <a:ext cx="8434215" cy="6288379"/>
           </a:xfrm>
         </p:spPr>
       </p:pic>
@@ -4217,14 +4222,14 @@
             <p:ph idx="1"/>
             <p:extLst>
               <p:ext uri="{D42A27DB-BD31-4B8C-83A1-F6EECF244321}">
-                <p14:modId xmlns:p14="http://schemas.microsoft.com/office/powerpoint/2010/main" val="2774628170"/>
+                <p14:modId xmlns:p14="http://schemas.microsoft.com/office/powerpoint/2010/main" val="1260330884"/>
               </p:ext>
             </p:extLst>
           </p:nvPr>
         </p:nvGraphicFramePr>
         <p:xfrm>
-          <a:off x="1063752" y="2093976"/>
-          <a:ext cx="5950226" cy="4386335"/>
+          <a:off x="626430" y="1909661"/>
+          <a:ext cx="5950226" cy="4463706"/>
         </p:xfrm>
         <a:graphic>
           <a:graphicData uri="http://schemas.openxmlformats.org/drawingml/2006/table">
@@ -4248,7 +4253,7 @@
                   </a:extLst>
                 </a:gridCol>
               </a:tblGrid>
-              <a:tr h="697787">
+              <a:tr h="669946">
                 <a:tc>
                   <a:txBody>
                     <a:bodyPr/>
@@ -4326,7 +4331,7 @@
                   </a:ext>
                 </a:extLst>
               </a:tr>
-              <a:tr h="697787">
+              <a:tr h="436426">
                 <a:tc>
                   <a:txBody>
                     <a:bodyPr/>
@@ -4344,13 +4349,13 @@
                         </a:spcAft>
                       </a:pPr>
                       <a:r>
-                        <a:rPr lang="es-ES" sz="1800">
+                        <a:rPr lang="es-ES" sz="1800" dirty="0">
                           <a:effectLst/>
                           <a:latin typeface="+mn-lt"/>
                         </a:rPr>
-                        <a:t>Buscar por título, año o ISBN</a:t>
+                        <a:t>Buscar por título</a:t>
                       </a:r>
-                      <a:endParaRPr lang="en-US" sz="1800">
+                      <a:endParaRPr lang="en-US" sz="1800" dirty="0">
                         <a:effectLst/>
                         <a:latin typeface="+mn-lt"/>
                         <a:ea typeface="Calibri" panose="020F0502020204030204" pitchFamily="34" charset="0"/>
@@ -4377,13 +4382,13 @@
                         </a:spcAft>
                       </a:pPr>
                       <a:r>
-                        <a:rPr lang="es-ES" sz="1800">
+                        <a:rPr lang="es-ES" sz="1800" dirty="0">
                           <a:effectLst/>
                           <a:latin typeface="+mn-lt"/>
                         </a:rPr>
-                        <a:t>O(n)</a:t>
+                        <a:t>O(log(n))</a:t>
                       </a:r>
-                      <a:endParaRPr lang="en-US" sz="1800">
+                      <a:endParaRPr lang="en-US" sz="1800" dirty="0">
                         <a:effectLst/>
                         <a:latin typeface="+mn-lt"/>
                         <a:ea typeface="Calibri" panose="020F0502020204030204" pitchFamily="34" charset="0"/>
@@ -4399,7 +4404,84 @@
                   </a:ext>
                 </a:extLst>
               </a:tr>
-              <a:tr h="337502">
+              <a:tr h="424185">
+                <a:tc>
+                  <a:txBody>
+                    <a:bodyPr/>
+                    <a:lstStyle/>
+                    <a:p>
+                      <a:pPr marL="0" marR="0" algn="just">
+                        <a:lnSpc>
+                          <a:spcPct val="115000"/>
+                        </a:lnSpc>
+                        <a:spcBef>
+                          <a:spcPts val="0"/>
+                        </a:spcBef>
+                        <a:spcAft>
+                          <a:spcPts val="600"/>
+                        </a:spcAft>
+                      </a:pPr>
+                      <a:r>
+                        <a:rPr lang="es-ES" sz="1800" dirty="0">
+                          <a:effectLst/>
+                          <a:latin typeface="+mn-lt"/>
+                          <a:ea typeface="Calibri" panose="020F0502020204030204" pitchFamily="34" charset="0"/>
+                          <a:cs typeface="Times New Roman" panose="02020603050405020304" pitchFamily="18" charset="0"/>
+                        </a:rPr>
+                        <a:t>Buscar por año o ISBN</a:t>
+                      </a:r>
+                      <a:endParaRPr lang="en-US" sz="1800" dirty="0">
+                        <a:effectLst/>
+                        <a:latin typeface="+mn-lt"/>
+                        <a:ea typeface="Calibri" panose="020F0502020204030204" pitchFamily="34" charset="0"/>
+                        <a:cs typeface="Times New Roman" panose="02020603050405020304" pitchFamily="18" charset="0"/>
+                      </a:endParaRPr>
+                    </a:p>
+                  </a:txBody>
+                  <a:tcPr marL="68580" marR="68580" marT="0" marB="0"/>
+                </a:tc>
+                <a:tc>
+                  <a:txBody>
+                    <a:bodyPr/>
+                    <a:lstStyle/>
+                    <a:p>
+                      <a:pPr marL="0" marR="0" algn="just">
+                        <a:lnSpc>
+                          <a:spcPct val="115000"/>
+                        </a:lnSpc>
+                        <a:spcBef>
+                          <a:spcPts val="0"/>
+                        </a:spcBef>
+                        <a:spcAft>
+                          <a:spcPts val="600"/>
+                        </a:spcAft>
+                      </a:pPr>
+                      <a:r>
+                        <a:rPr lang="es-ES" sz="1800" dirty="0">
+                          <a:effectLst/>
+                          <a:latin typeface="+mn-lt"/>
+                          <a:ea typeface="Calibri" panose="020F0502020204030204" pitchFamily="34" charset="0"/>
+                          <a:cs typeface="Times New Roman" panose="02020603050405020304" pitchFamily="18" charset="0"/>
+                        </a:rPr>
+                        <a:t>O(n)</a:t>
+                      </a:r>
+                      <a:endParaRPr lang="en-US" sz="1800" dirty="0">
+                        <a:effectLst/>
+                        <a:latin typeface="+mn-lt"/>
+                        <a:ea typeface="Calibri" panose="020F0502020204030204" pitchFamily="34" charset="0"/>
+                        <a:cs typeface="Times New Roman" panose="02020603050405020304" pitchFamily="18" charset="0"/>
+                      </a:endParaRPr>
+                    </a:p>
+                  </a:txBody>
+                  <a:tcPr marL="68580" marR="68580" marT="0" marB="0"/>
+                </a:tc>
+                <a:extLst>
+                  <a:ext uri="{0D108BD9-81ED-4DB2-BD59-A6C34878D82A}">
+                    <a16:rowId xmlns:a16="http://schemas.microsoft.com/office/drawing/2014/main" val="3254714009"/>
+                  </a:ext>
+                </a:extLst>
+              </a:tr>
+              <a:tr h="451311">
                 <a:tc>
                   <a:txBody>
                     <a:bodyPr/>
@@ -4450,13 +4532,13 @@
                         </a:spcAft>
                       </a:pPr>
                       <a:r>
-                        <a:rPr lang="es-ES" sz="1800">
+                        <a:rPr lang="es-ES" sz="1800" dirty="0">
                           <a:effectLst/>
                           <a:latin typeface="+mn-lt"/>
                         </a:rPr>
-                        <a:t>O(t)</a:t>
+                        <a:t>O(log(t))</a:t>
                       </a:r>
-                      <a:endParaRPr lang="en-US" sz="1800">
+                      <a:endParaRPr lang="en-US" sz="1800" dirty="0">
                         <a:effectLst/>
                         <a:latin typeface="+mn-lt"/>
                         <a:ea typeface="Calibri" panose="020F0502020204030204" pitchFamily="34" charset="0"/>
@@ -4472,7 +4554,7 @@
                   </a:ext>
                 </a:extLst>
               </a:tr>
-              <a:tr h="337502">
+              <a:tr h="423958">
                 <a:tc>
                   <a:txBody>
                     <a:bodyPr/>
@@ -4523,13 +4605,13 @@
                         </a:spcAft>
                       </a:pPr>
                       <a:r>
-                        <a:rPr lang="es-ES" sz="1800">
+                        <a:rPr lang="es-ES" sz="1800" dirty="0">
                           <a:effectLst/>
                           <a:latin typeface="+mn-lt"/>
                         </a:rPr>
-                        <a:t>O(m)</a:t>
+                        <a:t>O(log(m))</a:t>
                       </a:r>
-                      <a:endParaRPr lang="en-US" sz="1800">
+                      <a:endParaRPr lang="en-US" sz="1800" dirty="0">
                         <a:effectLst/>
                         <a:latin typeface="+mn-lt"/>
                         <a:ea typeface="Calibri" panose="020F0502020204030204" pitchFamily="34" charset="0"/>
@@ -4545,7 +4627,7 @@
                   </a:ext>
                 </a:extLst>
               </a:tr>
-              <a:tr h="697787">
+              <a:tr h="368001">
                 <a:tc>
                   <a:txBody>
                     <a:bodyPr/>
@@ -4618,7 +4700,7 @@
                   </a:ext>
                 </a:extLst>
               </a:tr>
-              <a:tr h="697787">
+              <a:tr h="400648">
                 <a:tc>
                   <a:txBody>
                     <a:bodyPr/>
@@ -4691,7 +4773,7 @@
                   </a:ext>
                 </a:extLst>
               </a:tr>
-              <a:tr h="920183">
+              <a:tr h="405763">
                 <a:tc>
                   <a:txBody>
                     <a:bodyPr/>
@@ -4709,13 +4791,13 @@
                         </a:spcAft>
                       </a:pPr>
                       <a:r>
-                        <a:rPr lang="es-ES" sz="1800">
+                        <a:rPr lang="es-ES" sz="1800" dirty="0">
                           <a:effectLst/>
                           <a:latin typeface="+mn-lt"/>
                         </a:rPr>
                         <a:t>Eliminar autor y sus libros</a:t>
                       </a:r>
-                      <a:endParaRPr lang="en-US" sz="1800">
+                      <a:endParaRPr lang="en-US" sz="1800" dirty="0">
                         <a:effectLst/>
                         <a:latin typeface="+mn-lt"/>
                         <a:ea typeface="Calibri" panose="020F0502020204030204" pitchFamily="34" charset="0"/>
@@ -4746,7 +4828,7 @@
                           <a:effectLst/>
                           <a:latin typeface="+mn-lt"/>
                         </a:rPr>
-                        <a:t>O(n)</a:t>
+                        <a:t>O(log(n))</a:t>
                       </a:r>
                       <a:endParaRPr lang="en-US" sz="1800" dirty="0">
                         <a:effectLst/>
@@ -4761,6 +4843,83 @@
                 <a:extLst>
                   <a:ext uri="{0D108BD9-81ED-4DB2-BD59-A6C34878D82A}">
                     <a16:rowId xmlns:a16="http://schemas.microsoft.com/office/drawing/2014/main" val="3581870091"/>
+                  </a:ext>
+                </a:extLst>
+              </a:tr>
+              <a:tr h="883468">
+                <a:tc>
+                  <a:txBody>
+                    <a:bodyPr/>
+                    <a:lstStyle/>
+                    <a:p>
+                      <a:pPr marL="0" marR="0" algn="just">
+                        <a:lnSpc>
+                          <a:spcPct val="115000"/>
+                        </a:lnSpc>
+                        <a:spcBef>
+                          <a:spcPts val="0"/>
+                        </a:spcBef>
+                        <a:spcAft>
+                          <a:spcPts val="600"/>
+                        </a:spcAft>
+                      </a:pPr>
+                      <a:r>
+                        <a:rPr lang="es-ES" sz="1800" dirty="0">
+                          <a:effectLst/>
+                          <a:latin typeface="+mn-lt"/>
+                          <a:ea typeface="Calibri" panose="020F0502020204030204" pitchFamily="34" charset="0"/>
+                          <a:cs typeface="Times New Roman" panose="02020603050405020304" pitchFamily="18" charset="0"/>
+                        </a:rPr>
+                        <a:t>Eliminar un tag</a:t>
+                      </a:r>
+                      <a:endParaRPr lang="en-US" sz="1800" dirty="0">
+                        <a:effectLst/>
+                        <a:latin typeface="+mn-lt"/>
+                        <a:ea typeface="Calibri" panose="020F0502020204030204" pitchFamily="34" charset="0"/>
+                        <a:cs typeface="Times New Roman" panose="02020603050405020304" pitchFamily="18" charset="0"/>
+                      </a:endParaRPr>
+                    </a:p>
+                  </a:txBody>
+                  <a:tcPr marL="68580" marR="68580" marT="0" marB="0"/>
+                </a:tc>
+                <a:tc>
+                  <a:txBody>
+                    <a:bodyPr/>
+                    <a:lstStyle/>
+                    <a:p>
+                      <a:pPr marL="0" marR="0" algn="just">
+                        <a:lnSpc>
+                          <a:spcPct val="115000"/>
+                        </a:lnSpc>
+                        <a:spcBef>
+                          <a:spcPts val="0"/>
+                        </a:spcBef>
+                        <a:spcAft>
+                          <a:spcPts val="600"/>
+                        </a:spcAft>
+                      </a:pPr>
+                      <a:r>
+                        <a:rPr lang="es-ES" sz="1800" dirty="0">
+                          <a:effectLst/>
+                          <a:latin typeface="+mn-lt"/>
+                          <a:ea typeface="Calibri" panose="020F0502020204030204" pitchFamily="34" charset="0"/>
+                          <a:cs typeface="Times New Roman" panose="02020603050405020304" pitchFamily="18" charset="0"/>
+                        </a:rPr>
+                        <a:t>O(log(t))</a:t>
+                      </a:r>
+                      <a:endParaRPr lang="en-US" sz="1800" dirty="0">
+                        <a:effectLst/>
+                        <a:latin typeface="+mn-lt"/>
+                        <a:ea typeface="Calibri" panose="020F0502020204030204" pitchFamily="34" charset="0"/>
+                        <a:cs typeface="Times New Roman" panose="02020603050405020304" pitchFamily="18" charset="0"/>
+                      </a:endParaRPr>
+                    </a:p>
+                  </a:txBody>
+                  <a:tcPr marL="68580" marR="68580" marT="0" marB="0"/>
+                </a:tc>
+                <a:extLst>
+                  <a:ext uri="{0D108BD9-81ED-4DB2-BD59-A6C34878D82A}">
+                    <a16:rowId xmlns:a16="http://schemas.microsoft.com/office/drawing/2014/main" val="4162767754"/>
                   </a:ext>
                 </a:extLst>
               </a:tr>
@@ -4914,7 +5073,7 @@
             <p:ph idx="1"/>
             <p:extLst>
               <p:ext uri="{D42A27DB-BD31-4B8C-83A1-F6EECF244321}">
-                <p14:modId xmlns:p14="http://schemas.microsoft.com/office/powerpoint/2010/main" val="4191247814"/>
+                <p14:modId xmlns:p14="http://schemas.microsoft.com/office/powerpoint/2010/main" val="2124952750"/>
               </p:ext>
             </p:extLst>
           </p:nvPr>
@@ -5684,13 +5843,13 @@
                         </a:spcAft>
                       </a:pPr>
                       <a:r>
-                        <a:rPr lang="es-ES" sz="1400">
+                        <a:rPr lang="es-ES" sz="1400" dirty="0">
                           <a:effectLst/>
                           <a:latin typeface="+mn-lt"/>
                         </a:rPr>
-                        <a:t>Referencia en el nodo al siguiente en la lista</a:t>
+                        <a:t>Referencia en el nodo a sus dos hijos</a:t>
                       </a:r>
-                      <a:endParaRPr lang="en-US" sz="1400">
+                      <a:endParaRPr lang="en-US" sz="1400" dirty="0">
                         <a:effectLst/>
                         <a:latin typeface="+mn-lt"/>
                         <a:ea typeface="Calibri" panose="020F0502020204030204" pitchFamily="34" charset="0"/>
@@ -5717,13 +5876,13 @@
                         </a:spcAft>
                       </a:pPr>
                       <a:r>
-                        <a:rPr lang="es-ES" sz="1400">
+                        <a:rPr lang="es-ES" sz="1400" dirty="0">
                           <a:effectLst/>
                           <a:latin typeface="+mn-lt"/>
                         </a:rPr>
-                        <a:t>4 B</a:t>
+                        <a:t>8 B</a:t>
                       </a:r>
-                      <a:endParaRPr lang="en-US" sz="1400">
+                      <a:endParaRPr lang="en-US" sz="1400" dirty="0">
                         <a:effectLst/>
                         <a:latin typeface="+mn-lt"/>
                         <a:ea typeface="Calibri" panose="020F0502020204030204" pitchFamily="34" charset="0"/>
@@ -5794,7 +5953,7 @@
                           <a:effectLst/>
                           <a:latin typeface="+mn-lt"/>
                         </a:rPr>
-                        <a:t>1270 B</a:t>
+                        <a:t>1274 B</a:t>
                       </a:r>
                       <a:endParaRPr lang="en-US" sz="1400" dirty="0">
                         <a:effectLst/>
@@ -6198,7 +6357,7 @@
             <p:ph idx="1"/>
             <p:extLst>
               <p:ext uri="{D42A27DB-BD31-4B8C-83A1-F6EECF244321}">
-                <p14:modId xmlns:p14="http://schemas.microsoft.com/office/powerpoint/2010/main" val="3287141647"/>
+                <p14:modId xmlns:p14="http://schemas.microsoft.com/office/powerpoint/2010/main" val="3374894599"/>
               </p:ext>
             </p:extLst>
           </p:nvPr>
@@ -6607,13 +6766,13 @@
                         </a:spcAft>
                       </a:pPr>
                       <a:r>
-                        <a:rPr lang="es-ES" sz="1400">
+                        <a:rPr lang="es-ES" sz="1400" dirty="0">
                           <a:effectLst/>
                           <a:latin typeface="+mn-lt"/>
                         </a:rPr>
-                        <a:t>Referencia en el nodo al siguiente en la lista</a:t>
+                        <a:t>Referencia en el nodo a sus dos hijos</a:t>
                       </a:r>
-                      <a:endParaRPr lang="en-US" sz="1400">
+                      <a:endParaRPr lang="en-US" sz="1400" dirty="0">
                         <a:effectLst/>
                         <a:latin typeface="+mn-lt"/>
                         <a:ea typeface="Calibri" panose="020F0502020204030204" pitchFamily="34" charset="0"/>
@@ -6644,7 +6803,7 @@
                           <a:effectLst/>
                           <a:latin typeface="+mn-lt"/>
                         </a:rPr>
-                        <a:t>4 B</a:t>
+                        <a:t>8 B</a:t>
                       </a:r>
                       <a:endParaRPr lang="en-US" sz="1400" dirty="0">
                         <a:effectLst/>
@@ -6717,7 +6876,7 @@
                           <a:effectLst/>
                           <a:latin typeface="+mn-lt"/>
                         </a:rPr>
-                        <a:t>92 B</a:t>
+                        <a:t>96 B</a:t>
                       </a:r>
                       <a:endParaRPr lang="en-US" sz="1400" dirty="0">
                         <a:effectLst/>
@@ -6961,7 +7120,7 @@
           <p:nvPr>
             <p:extLst>
               <p:ext uri="{D42A27DB-BD31-4B8C-83A1-F6EECF244321}">
-                <p14:modId xmlns:p14="http://schemas.microsoft.com/office/powerpoint/2010/main" val="1789090382"/>
+                <p14:modId xmlns:p14="http://schemas.microsoft.com/office/powerpoint/2010/main" val="1843457314"/>
               </p:ext>
             </p:extLst>
           </p:nvPr>
@@ -7377,13 +7536,13 @@
                         </a:spcAft>
                       </a:pPr>
                       <a:r>
-                        <a:rPr lang="es-ES" sz="1400">
+                        <a:rPr lang="es-ES" sz="1400" dirty="0">
                           <a:effectLst/>
                           <a:latin typeface="+mn-lt"/>
                         </a:rPr>
-                        <a:t>Referencia en el nodo al siguiente en la lista</a:t>
+                        <a:t>Referencia en el nodo a sus dos hijos</a:t>
                       </a:r>
-                      <a:endParaRPr lang="en-US" sz="1400">
+                      <a:endParaRPr lang="en-US" sz="1400" dirty="0">
                         <a:effectLst/>
                         <a:latin typeface="+mn-lt"/>
                         <a:ea typeface="Calibri" panose="020F0502020204030204" pitchFamily="34" charset="0"/>
@@ -7414,7 +7573,7 @@
                           <a:effectLst/>
                           <a:latin typeface="+mn-lt"/>
                         </a:rPr>
-                        <a:t>4 B</a:t>
+                        <a:t>8 B</a:t>
                       </a:r>
                       <a:endParaRPr lang="en-US" sz="1400" dirty="0">
                         <a:effectLst/>
@@ -7487,7 +7646,7 @@
                           <a:effectLst/>
                           <a:latin typeface="+mn-lt"/>
                         </a:rPr>
-                        <a:t>92 B</a:t>
+                        <a:t>96 B</a:t>
                       </a:r>
                       <a:endParaRPr lang="en-US" sz="1400" dirty="0">
                         <a:effectLst/>
@@ -7584,7 +7743,7 @@
             <p:ph idx="1"/>
             <p:extLst>
               <p:ext uri="{D42A27DB-BD31-4B8C-83A1-F6EECF244321}">
-                <p14:modId xmlns:p14="http://schemas.microsoft.com/office/powerpoint/2010/main" val="3818152193"/>
+                <p14:modId xmlns:p14="http://schemas.microsoft.com/office/powerpoint/2010/main" val="4166437915"/>
               </p:ext>
             </p:extLst>
           </p:nvPr>
@@ -7748,10 +7907,22 @@
                         </a:spcAft>
                       </a:pPr>
                       <a:r>
+                        <a:rPr lang="es-ES" sz="1800" kern="1200" dirty="0">
+                          <a:solidFill>
+                            <a:schemeClr val="dk1"/>
+                          </a:solidFill>
+                          <a:effectLst/>
+                          <a:latin typeface="+mn-lt"/>
+                          <a:ea typeface="+mn-ea"/>
+                          <a:cs typeface="+mn-cs"/>
+                        </a:rPr>
+                        <a:t>7389200</a:t>
+                      </a:r>
+                      <a:r>
                         <a:rPr lang="es-ES" sz="2000" dirty="0">
                           <a:effectLst/>
                         </a:rPr>
-                        <a:t>7366000 B</a:t>
+                        <a:t> B</a:t>
                       </a:r>
                       <a:endParaRPr lang="en-US" sz="2000" dirty="0">
                         <a:effectLst/>
@@ -7819,10 +7990,22 @@
                         </a:spcAft>
                       </a:pPr>
                       <a:r>
+                        <a:rPr lang="es-ES" sz="1800" kern="1200" dirty="0">
+                          <a:solidFill>
+                            <a:schemeClr val="dk1"/>
+                          </a:solidFill>
+                          <a:effectLst/>
+                          <a:latin typeface="+mn-lt"/>
+                          <a:ea typeface="+mn-ea"/>
+                          <a:cs typeface="+mn-cs"/>
+                        </a:rPr>
+                        <a:t>460800</a:t>
+                      </a:r>
+                      <a:r>
                         <a:rPr lang="es-ES" sz="2000" dirty="0">
                           <a:effectLst/>
                         </a:rPr>
-                        <a:t>441600 B</a:t>
+                        <a:t> B</a:t>
                       </a:r>
                       <a:endParaRPr lang="en-US" sz="2000" dirty="0">
                         <a:effectLst/>
@@ -7890,10 +8073,22 @@
                         </a:spcAft>
                       </a:pPr>
                       <a:r>
+                        <a:rPr lang="es-ES" sz="1800" kern="1200" dirty="0">
+                          <a:solidFill>
+                            <a:schemeClr val="dk1"/>
+                          </a:solidFill>
+                          <a:effectLst/>
+                          <a:latin typeface="+mn-lt"/>
+                          <a:ea typeface="+mn-ea"/>
+                          <a:cs typeface="+mn-cs"/>
+                        </a:rPr>
+                        <a:t>3264000</a:t>
+                      </a:r>
+                      <a:r>
                         <a:rPr lang="es-ES" sz="2000" dirty="0">
                           <a:effectLst/>
                         </a:rPr>
-                        <a:t>3128000 B</a:t>
+                        <a:t> B</a:t>
                       </a:r>
                       <a:endParaRPr lang="en-US" sz="2000" dirty="0">
                         <a:effectLst/>
@@ -7961,10 +8156,22 @@
                         </a:spcAft>
                       </a:pPr>
                       <a:r>
+                        <a:rPr lang="es-ES" sz="1800" b="1" kern="1200" dirty="0">
+                          <a:solidFill>
+                            <a:schemeClr val="dk1"/>
+                          </a:solidFill>
+                          <a:effectLst/>
+                          <a:latin typeface="+mn-lt"/>
+                          <a:ea typeface="+mn-ea"/>
+                          <a:cs typeface="+mn-cs"/>
+                        </a:rPr>
+                        <a:t>11114000</a:t>
+                      </a:r>
+                      <a:r>
                         <a:rPr lang="es-ES" sz="2000" dirty="0">
                           <a:effectLst/>
                         </a:rPr>
-                        <a:t>10935600 B = 10,9 MB</a:t>
+                        <a:t> B = 11,1 MB</a:t>
                       </a:r>
                       <a:endParaRPr lang="en-US" sz="2000" dirty="0">
                         <a:effectLst/>
@@ -8171,13 +8378,21 @@
           <a:p>
             <a:r>
               <a:rPr lang="es-ES" sz="2400" dirty="0"/>
-              <a:t>Comparado con otra alternativa en la que los tiempos de ejecución de las operaciones no son lineales, también se tuvo en cuenta que, en cuanto a la escalabilidad del sistema, se va a notar mucho más la diferencia entre los tiempos de ejecución de ambos algoritmos a medida que crece la base de datos. </a:t>
-            </a:r>
-          </a:p>
-          <a:p>
+              <a:t>Comparado con otra alternativa en la que los tiempos de ejecución de las operaciones no son </a:t>
+            </a:r>
+            <a:r>
+              <a:rPr lang="es-ES" sz="2400" dirty="0" err="1"/>
+              <a:t>logaritmicos</a:t>
+            </a:r>
             <a:r>
               <a:rPr lang="es-ES" sz="2400" dirty="0"/>
-              <a:t>Por ejemplo, si para un cierto tamaño de base de datos, buscar un libro por su tag demora 10 segundos en esta solución, en otra cuyos tiempos de ejecución son cuadráticos, este proceso demoraría varios días, lo cual no es aceptable.</a:t>
+              <a:t>, también se tuvo en cuenta que, en cuanto a la escalabilidad del sistema, se va a notar mucho más la diferencia entre los tiempos de ejecución de ambos algoritmos a medida que crece la base de datos. </a:t>
+            </a:r>
+          </a:p>
+          <a:p>
+            <a:r>
+              <a:rPr lang="es-ES" sz="2400" dirty="0"/>
+              <a:t>Por ejemplo, si para un cierto tamaño de base de datos, buscar un libro por su tag demora 10 segundos en esta solución, en otra cuyos tiempos de ejecución son lineales, este proceso podría demorar una hora, lo cual no es aceptable.</a:t>
             </a:r>
             <a:endParaRPr lang="en-US" sz="2400" dirty="0"/>
           </a:p>
@@ -8267,12 +8482,9 @@
           <a:p>
             <a:r>
               <a:rPr lang="es-ES" sz="2400" dirty="0"/>
-              <a:t>En conclusión, se escogió esta alternativa como la mejor solución. Tiene además la ventaja de que es muy fácil de implementar y mantener dada la simplicidad de sus algoritmos.</a:t>
+              <a:t>En conclusión, se escogió esta alternativa como la mejor solución. Los algoritmos de ésta son un poco más complejos, pero una vez que ya están implementados, se ahorra tiempo muy valioso con cada búsqueda.</a:t>
             </a:r>
             <a:endParaRPr lang="en-US" sz="2400" dirty="0"/>
-          </a:p>
-          <a:p>
-            <a:endParaRPr lang="en-US" dirty="0"/>
           </a:p>
         </p:txBody>
       </p:sp>
